--- a/ppt 16-9/0757.亲爱的啊爸父.pptx
+++ b/ppt 16-9/0757.亲爱的啊爸父.pptx
@@ -5,7 +5,7 @@
     <p:sldMasterId id="2147483648" r:id="rId1"/>
   </p:sldMasterIdLst>
   <p:sldIdLst>
-    <p:sldId id="2006" r:id="rId2"/>
+    <p:sldId id="2007" r:id="rId2"/>
   </p:sldIdLst>
   <p:sldSz cx="12192000" cy="6858000"/>
   <p:notesSz cx="6858000" cy="9144000"/>
@@ -129,7 +129,7 @@
           <p:cNvPr id="2" name="标题 1">
             <a:extLst>
               <a:ext uri="{FF2B5EF4-FFF2-40B4-BE49-F238E27FC236}">
-                <a16:creationId xmlns:a16="http://schemas.microsoft.com/office/drawing/2014/main" id="{FE5A3F40-3718-97B6-2504-34D00E065A4D}"/>
+                <a16:creationId xmlns:a16="http://schemas.microsoft.com/office/drawing/2014/main" id="{1E7CCAF7-63FA-D115-D66E-51E870001BF0}"/>
               </a:ext>
             </a:extLst>
           </p:cNvPr>
@@ -166,7 +166,7 @@
           <p:cNvPr id="3" name="副标题 2">
             <a:extLst>
               <a:ext uri="{FF2B5EF4-FFF2-40B4-BE49-F238E27FC236}">
-                <a16:creationId xmlns:a16="http://schemas.microsoft.com/office/drawing/2014/main" id="{CB6CF21F-4303-C9E9-8E8D-3C584F24F0CF}"/>
+                <a16:creationId xmlns:a16="http://schemas.microsoft.com/office/drawing/2014/main" id="{AC4EB981-C5BD-BF8C-DBEF-0B70C8C947F8}"/>
               </a:ext>
             </a:extLst>
           </p:cNvPr>
@@ -236,7 +236,7 @@
           <p:cNvPr id="4" name="日期占位符 3">
             <a:extLst>
               <a:ext uri="{FF2B5EF4-FFF2-40B4-BE49-F238E27FC236}">
-                <a16:creationId xmlns:a16="http://schemas.microsoft.com/office/drawing/2014/main" id="{D7B8C1A3-E47F-254E-047F-E065242E6404}"/>
+                <a16:creationId xmlns:a16="http://schemas.microsoft.com/office/drawing/2014/main" id="{8E563DB3-49D7-BA02-967A-CE789A6F5B9D}"/>
               </a:ext>
             </a:extLst>
           </p:cNvPr>
@@ -252,7 +252,7 @@
           <a:bodyPr/>
           <a:lstStyle/>
           <a:p>
-            <a:fld id="{EF89E037-B355-4E35-9DE0-3EC20988880D}" type="datetimeFigureOut">
+            <a:fld id="{6AB152B0-4DC5-4862-9547-EACEB877B596}" type="datetimeFigureOut">
               <a:rPr lang="zh-CN" altLang="en-US" smtClean="0"/>
               <a:t>2024/3/10</a:t>
             </a:fld>
@@ -265,7 +265,7 @@
           <p:cNvPr id="5" name="页脚占位符 4">
             <a:extLst>
               <a:ext uri="{FF2B5EF4-FFF2-40B4-BE49-F238E27FC236}">
-                <a16:creationId xmlns:a16="http://schemas.microsoft.com/office/drawing/2014/main" id="{84D32B18-62A8-6C4E-631E-B81F3CC53BD4}"/>
+                <a16:creationId xmlns:a16="http://schemas.microsoft.com/office/drawing/2014/main" id="{C198BC10-AB29-13E8-962A-497FDBDD8E40}"/>
               </a:ext>
             </a:extLst>
           </p:cNvPr>
@@ -290,7 +290,7 @@
           <p:cNvPr id="6" name="灯片编号占位符 5">
             <a:extLst>
               <a:ext uri="{FF2B5EF4-FFF2-40B4-BE49-F238E27FC236}">
-                <a16:creationId xmlns:a16="http://schemas.microsoft.com/office/drawing/2014/main" id="{AB11A5F2-DC80-367C-C148-EFED12F87129}"/>
+                <a16:creationId xmlns:a16="http://schemas.microsoft.com/office/drawing/2014/main" id="{8679C48C-F48B-FBA9-38AB-86086A59D3AC}"/>
               </a:ext>
             </a:extLst>
           </p:cNvPr>
@@ -306,7 +306,7 @@
           <a:bodyPr/>
           <a:lstStyle/>
           <a:p>
-            <a:fld id="{5B62783B-1815-41DE-968F-F6C9FC1372F1}" type="slidenum">
+            <a:fld id="{0D702F45-04F4-49BE-BAF5-C740B0AB4980}" type="slidenum">
               <a:rPr lang="zh-CN" altLang="en-US" smtClean="0"/>
               <a:t>‹#›</a:t>
             </a:fld>
@@ -317,7 +317,7 @@
     </p:spTree>
     <p:extLst>
       <p:ext uri="{BB962C8B-B14F-4D97-AF65-F5344CB8AC3E}">
-        <p14:creationId xmlns:p14="http://schemas.microsoft.com/office/powerpoint/2010/main" val="2448018208"/>
+        <p14:creationId xmlns:p14="http://schemas.microsoft.com/office/powerpoint/2010/main" val="696544846"/>
       </p:ext>
     </p:extLst>
   </p:cSld>
@@ -349,7 +349,7 @@
           <p:cNvPr id="2" name="标题 1">
             <a:extLst>
               <a:ext uri="{FF2B5EF4-FFF2-40B4-BE49-F238E27FC236}">
-                <a16:creationId xmlns:a16="http://schemas.microsoft.com/office/drawing/2014/main" id="{8A04771F-D005-5CC6-138F-D16AA8CE7264}"/>
+                <a16:creationId xmlns:a16="http://schemas.microsoft.com/office/drawing/2014/main" id="{7843CAFF-2578-3835-0D4E-690DCEB3F42E}"/>
               </a:ext>
             </a:extLst>
           </p:cNvPr>
@@ -377,7 +377,7 @@
           <p:cNvPr id="3" name="竖排文字占位符 2">
             <a:extLst>
               <a:ext uri="{FF2B5EF4-FFF2-40B4-BE49-F238E27FC236}">
-                <a16:creationId xmlns:a16="http://schemas.microsoft.com/office/drawing/2014/main" id="{927A58A9-840D-8470-BEF7-B6F6897AE8DA}"/>
+                <a16:creationId xmlns:a16="http://schemas.microsoft.com/office/drawing/2014/main" id="{6E91E97A-3B7E-E44D-3323-FE36323670E5}"/>
               </a:ext>
             </a:extLst>
           </p:cNvPr>
@@ -434,7 +434,7 @@
           <p:cNvPr id="4" name="日期占位符 3">
             <a:extLst>
               <a:ext uri="{FF2B5EF4-FFF2-40B4-BE49-F238E27FC236}">
-                <a16:creationId xmlns:a16="http://schemas.microsoft.com/office/drawing/2014/main" id="{EA88B501-F240-D069-F37D-3834D88356A4}"/>
+                <a16:creationId xmlns:a16="http://schemas.microsoft.com/office/drawing/2014/main" id="{A2A2303C-FCC7-DA54-EFED-EEE374910160}"/>
               </a:ext>
             </a:extLst>
           </p:cNvPr>
@@ -450,7 +450,7 @@
           <a:bodyPr/>
           <a:lstStyle/>
           <a:p>
-            <a:fld id="{EF89E037-B355-4E35-9DE0-3EC20988880D}" type="datetimeFigureOut">
+            <a:fld id="{6AB152B0-4DC5-4862-9547-EACEB877B596}" type="datetimeFigureOut">
               <a:rPr lang="zh-CN" altLang="en-US" smtClean="0"/>
               <a:t>2024/3/10</a:t>
             </a:fld>
@@ -463,7 +463,7 @@
           <p:cNvPr id="5" name="页脚占位符 4">
             <a:extLst>
               <a:ext uri="{FF2B5EF4-FFF2-40B4-BE49-F238E27FC236}">
-                <a16:creationId xmlns:a16="http://schemas.microsoft.com/office/drawing/2014/main" id="{23CE0F42-9261-C94B-C245-E775C3D48C76}"/>
+                <a16:creationId xmlns:a16="http://schemas.microsoft.com/office/drawing/2014/main" id="{A83FC547-D2CA-C805-4EDC-C15C8CA267D2}"/>
               </a:ext>
             </a:extLst>
           </p:cNvPr>
@@ -488,7 +488,7 @@
           <p:cNvPr id="6" name="灯片编号占位符 5">
             <a:extLst>
               <a:ext uri="{FF2B5EF4-FFF2-40B4-BE49-F238E27FC236}">
-                <a16:creationId xmlns:a16="http://schemas.microsoft.com/office/drawing/2014/main" id="{0667E10C-7DFB-09D1-4799-243E81624386}"/>
+                <a16:creationId xmlns:a16="http://schemas.microsoft.com/office/drawing/2014/main" id="{4B21207D-9238-BD2D-B360-CFD8A53C2F2D}"/>
               </a:ext>
             </a:extLst>
           </p:cNvPr>
@@ -504,7 +504,7 @@
           <a:bodyPr/>
           <a:lstStyle/>
           <a:p>
-            <a:fld id="{5B62783B-1815-41DE-968F-F6C9FC1372F1}" type="slidenum">
+            <a:fld id="{0D702F45-04F4-49BE-BAF5-C740B0AB4980}" type="slidenum">
               <a:rPr lang="zh-CN" altLang="en-US" smtClean="0"/>
               <a:t>‹#›</a:t>
             </a:fld>
@@ -515,7 +515,7 @@
     </p:spTree>
     <p:extLst>
       <p:ext uri="{BB962C8B-B14F-4D97-AF65-F5344CB8AC3E}">
-        <p14:creationId xmlns:p14="http://schemas.microsoft.com/office/powerpoint/2010/main" val="4250848356"/>
+        <p14:creationId xmlns:p14="http://schemas.microsoft.com/office/powerpoint/2010/main" val="4196626768"/>
       </p:ext>
     </p:extLst>
   </p:cSld>
@@ -547,7 +547,7 @@
           <p:cNvPr id="2" name="竖排标题 1">
             <a:extLst>
               <a:ext uri="{FF2B5EF4-FFF2-40B4-BE49-F238E27FC236}">
-                <a16:creationId xmlns:a16="http://schemas.microsoft.com/office/drawing/2014/main" id="{1479DFDB-49E1-FA52-ED28-EAD659DC07DA}"/>
+                <a16:creationId xmlns:a16="http://schemas.microsoft.com/office/drawing/2014/main" id="{6143DEA8-9C54-F354-C701-270F945801E3}"/>
               </a:ext>
             </a:extLst>
           </p:cNvPr>
@@ -580,7 +580,7 @@
           <p:cNvPr id="3" name="竖排文字占位符 2">
             <a:extLst>
               <a:ext uri="{FF2B5EF4-FFF2-40B4-BE49-F238E27FC236}">
-                <a16:creationId xmlns:a16="http://schemas.microsoft.com/office/drawing/2014/main" id="{2EECBDD8-0C42-DC16-DF70-8D100B8E90E7}"/>
+                <a16:creationId xmlns:a16="http://schemas.microsoft.com/office/drawing/2014/main" id="{13F76544-46D0-C7CA-D844-AF01B7B69813}"/>
               </a:ext>
             </a:extLst>
           </p:cNvPr>
@@ -642,7 +642,7 @@
           <p:cNvPr id="4" name="日期占位符 3">
             <a:extLst>
               <a:ext uri="{FF2B5EF4-FFF2-40B4-BE49-F238E27FC236}">
-                <a16:creationId xmlns:a16="http://schemas.microsoft.com/office/drawing/2014/main" id="{26E7CD8A-03E5-035A-A3E7-F42F98BD109D}"/>
+                <a16:creationId xmlns:a16="http://schemas.microsoft.com/office/drawing/2014/main" id="{37B09262-AF20-B2EB-EAFE-653922570190}"/>
               </a:ext>
             </a:extLst>
           </p:cNvPr>
@@ -658,7 +658,7 @@
           <a:bodyPr/>
           <a:lstStyle/>
           <a:p>
-            <a:fld id="{EF89E037-B355-4E35-9DE0-3EC20988880D}" type="datetimeFigureOut">
+            <a:fld id="{6AB152B0-4DC5-4862-9547-EACEB877B596}" type="datetimeFigureOut">
               <a:rPr lang="zh-CN" altLang="en-US" smtClean="0"/>
               <a:t>2024/3/10</a:t>
             </a:fld>
@@ -671,7 +671,7 @@
           <p:cNvPr id="5" name="页脚占位符 4">
             <a:extLst>
               <a:ext uri="{FF2B5EF4-FFF2-40B4-BE49-F238E27FC236}">
-                <a16:creationId xmlns:a16="http://schemas.microsoft.com/office/drawing/2014/main" id="{6FAE0473-AE17-4BC5-68B0-3231BFDA2392}"/>
+                <a16:creationId xmlns:a16="http://schemas.microsoft.com/office/drawing/2014/main" id="{B418F089-4DF6-DDF0-F011-E5515AB84A68}"/>
               </a:ext>
             </a:extLst>
           </p:cNvPr>
@@ -696,7 +696,7 @@
           <p:cNvPr id="6" name="灯片编号占位符 5">
             <a:extLst>
               <a:ext uri="{FF2B5EF4-FFF2-40B4-BE49-F238E27FC236}">
-                <a16:creationId xmlns:a16="http://schemas.microsoft.com/office/drawing/2014/main" id="{242FB697-CB95-92DA-986B-7A4D8CB0B5E7}"/>
+                <a16:creationId xmlns:a16="http://schemas.microsoft.com/office/drawing/2014/main" id="{09007604-52F3-D461-69A0-3096745B4D5C}"/>
               </a:ext>
             </a:extLst>
           </p:cNvPr>
@@ -712,7 +712,7 @@
           <a:bodyPr/>
           <a:lstStyle/>
           <a:p>
-            <a:fld id="{5B62783B-1815-41DE-968F-F6C9FC1372F1}" type="slidenum">
+            <a:fld id="{0D702F45-04F4-49BE-BAF5-C740B0AB4980}" type="slidenum">
               <a:rPr lang="zh-CN" altLang="en-US" smtClean="0"/>
               <a:t>‹#›</a:t>
             </a:fld>
@@ -723,7 +723,7 @@
     </p:spTree>
     <p:extLst>
       <p:ext uri="{BB962C8B-B14F-4D97-AF65-F5344CB8AC3E}">
-        <p14:creationId xmlns:p14="http://schemas.microsoft.com/office/powerpoint/2010/main" val="3075800650"/>
+        <p14:creationId xmlns:p14="http://schemas.microsoft.com/office/powerpoint/2010/main" val="1380444188"/>
       </p:ext>
     </p:extLst>
   </p:cSld>
@@ -755,7 +755,7 @@
           <p:cNvPr id="2" name="标题 1">
             <a:extLst>
               <a:ext uri="{FF2B5EF4-FFF2-40B4-BE49-F238E27FC236}">
-                <a16:creationId xmlns:a16="http://schemas.microsoft.com/office/drawing/2014/main" id="{937B7B55-5962-C494-9232-E3CF7BA90E4A}"/>
+                <a16:creationId xmlns:a16="http://schemas.microsoft.com/office/drawing/2014/main" id="{986C93CF-D1FA-80D0-3151-140D5B10FEB5}"/>
               </a:ext>
             </a:extLst>
           </p:cNvPr>
@@ -783,7 +783,7 @@
           <p:cNvPr id="3" name="内容占位符 2">
             <a:extLst>
               <a:ext uri="{FF2B5EF4-FFF2-40B4-BE49-F238E27FC236}">
-                <a16:creationId xmlns:a16="http://schemas.microsoft.com/office/drawing/2014/main" id="{0379C4D8-3333-DA16-6B1C-6445868A3E46}"/>
+                <a16:creationId xmlns:a16="http://schemas.microsoft.com/office/drawing/2014/main" id="{E7ED80B7-6B4E-2D3A-932E-355629FFD808}"/>
               </a:ext>
             </a:extLst>
           </p:cNvPr>
@@ -840,7 +840,7 @@
           <p:cNvPr id="4" name="日期占位符 3">
             <a:extLst>
               <a:ext uri="{FF2B5EF4-FFF2-40B4-BE49-F238E27FC236}">
-                <a16:creationId xmlns:a16="http://schemas.microsoft.com/office/drawing/2014/main" id="{7ABBF93E-EBF1-7C57-D5CD-37E67F0CB3B6}"/>
+                <a16:creationId xmlns:a16="http://schemas.microsoft.com/office/drawing/2014/main" id="{7E204516-E606-5892-A114-195FB7054F6B}"/>
               </a:ext>
             </a:extLst>
           </p:cNvPr>
@@ -856,7 +856,7 @@
           <a:bodyPr/>
           <a:lstStyle/>
           <a:p>
-            <a:fld id="{EF89E037-B355-4E35-9DE0-3EC20988880D}" type="datetimeFigureOut">
+            <a:fld id="{6AB152B0-4DC5-4862-9547-EACEB877B596}" type="datetimeFigureOut">
               <a:rPr lang="zh-CN" altLang="en-US" smtClean="0"/>
               <a:t>2024/3/10</a:t>
             </a:fld>
@@ -869,7 +869,7 @@
           <p:cNvPr id="5" name="页脚占位符 4">
             <a:extLst>
               <a:ext uri="{FF2B5EF4-FFF2-40B4-BE49-F238E27FC236}">
-                <a16:creationId xmlns:a16="http://schemas.microsoft.com/office/drawing/2014/main" id="{E153AF61-B51B-8E8E-C41B-BC6C301B123B}"/>
+                <a16:creationId xmlns:a16="http://schemas.microsoft.com/office/drawing/2014/main" id="{90E33290-33EF-8F9A-73C9-6859ECFA105C}"/>
               </a:ext>
             </a:extLst>
           </p:cNvPr>
@@ -894,7 +894,7 @@
           <p:cNvPr id="6" name="灯片编号占位符 5">
             <a:extLst>
               <a:ext uri="{FF2B5EF4-FFF2-40B4-BE49-F238E27FC236}">
-                <a16:creationId xmlns:a16="http://schemas.microsoft.com/office/drawing/2014/main" id="{D681F8A7-696A-7FE1-4017-3E4015B2B5A7}"/>
+                <a16:creationId xmlns:a16="http://schemas.microsoft.com/office/drawing/2014/main" id="{C07BBA7C-EA25-13A7-72B8-A82ED1B8802A}"/>
               </a:ext>
             </a:extLst>
           </p:cNvPr>
@@ -910,7 +910,7 @@
           <a:bodyPr/>
           <a:lstStyle/>
           <a:p>
-            <a:fld id="{5B62783B-1815-41DE-968F-F6C9FC1372F1}" type="slidenum">
+            <a:fld id="{0D702F45-04F4-49BE-BAF5-C740B0AB4980}" type="slidenum">
               <a:rPr lang="zh-CN" altLang="en-US" smtClean="0"/>
               <a:t>‹#›</a:t>
             </a:fld>
@@ -921,7 +921,7 @@
     </p:spTree>
     <p:extLst>
       <p:ext uri="{BB962C8B-B14F-4D97-AF65-F5344CB8AC3E}">
-        <p14:creationId xmlns:p14="http://schemas.microsoft.com/office/powerpoint/2010/main" val="2258921280"/>
+        <p14:creationId xmlns:p14="http://schemas.microsoft.com/office/powerpoint/2010/main" val="4083768108"/>
       </p:ext>
     </p:extLst>
   </p:cSld>
@@ -953,7 +953,7 @@
           <p:cNvPr id="2" name="标题 1">
             <a:extLst>
               <a:ext uri="{FF2B5EF4-FFF2-40B4-BE49-F238E27FC236}">
-                <a16:creationId xmlns:a16="http://schemas.microsoft.com/office/drawing/2014/main" id="{30FF6CCC-2DB7-4012-8232-2A237A94796B}"/>
+                <a16:creationId xmlns:a16="http://schemas.microsoft.com/office/drawing/2014/main" id="{946314A8-2118-E6C0-7A1A-398BBBAC7337}"/>
               </a:ext>
             </a:extLst>
           </p:cNvPr>
@@ -990,7 +990,7 @@
           <p:cNvPr id="3" name="文本占位符 2">
             <a:extLst>
               <a:ext uri="{FF2B5EF4-FFF2-40B4-BE49-F238E27FC236}">
-                <a16:creationId xmlns:a16="http://schemas.microsoft.com/office/drawing/2014/main" id="{3E146C31-3A54-6762-1EDB-1AC06C6B4EB2}"/>
+                <a16:creationId xmlns:a16="http://schemas.microsoft.com/office/drawing/2014/main" id="{3229F081-DFEB-C453-DD5B-0B3CC9564CDE}"/>
               </a:ext>
             </a:extLst>
           </p:cNvPr>
@@ -1115,7 +1115,7 @@
           <p:cNvPr id="4" name="日期占位符 3">
             <a:extLst>
               <a:ext uri="{FF2B5EF4-FFF2-40B4-BE49-F238E27FC236}">
-                <a16:creationId xmlns:a16="http://schemas.microsoft.com/office/drawing/2014/main" id="{9009346F-84BD-EC78-404A-6CC3B2FA8565}"/>
+                <a16:creationId xmlns:a16="http://schemas.microsoft.com/office/drawing/2014/main" id="{23B5E5AB-9F8F-B420-5ACA-53FAAA23B839}"/>
               </a:ext>
             </a:extLst>
           </p:cNvPr>
@@ -1131,7 +1131,7 @@
           <a:bodyPr/>
           <a:lstStyle/>
           <a:p>
-            <a:fld id="{EF89E037-B355-4E35-9DE0-3EC20988880D}" type="datetimeFigureOut">
+            <a:fld id="{6AB152B0-4DC5-4862-9547-EACEB877B596}" type="datetimeFigureOut">
               <a:rPr lang="zh-CN" altLang="en-US" smtClean="0"/>
               <a:t>2024/3/10</a:t>
             </a:fld>
@@ -1144,7 +1144,7 @@
           <p:cNvPr id="5" name="页脚占位符 4">
             <a:extLst>
               <a:ext uri="{FF2B5EF4-FFF2-40B4-BE49-F238E27FC236}">
-                <a16:creationId xmlns:a16="http://schemas.microsoft.com/office/drawing/2014/main" id="{FE47A2B8-74D6-92D9-7079-2B51DE868FD2}"/>
+                <a16:creationId xmlns:a16="http://schemas.microsoft.com/office/drawing/2014/main" id="{067D768B-EDA3-7289-3C91-55B3A6F9C726}"/>
               </a:ext>
             </a:extLst>
           </p:cNvPr>
@@ -1169,7 +1169,7 @@
           <p:cNvPr id="6" name="灯片编号占位符 5">
             <a:extLst>
               <a:ext uri="{FF2B5EF4-FFF2-40B4-BE49-F238E27FC236}">
-                <a16:creationId xmlns:a16="http://schemas.microsoft.com/office/drawing/2014/main" id="{D8A6406C-C8C7-7A3B-962F-7693C700E49E}"/>
+                <a16:creationId xmlns:a16="http://schemas.microsoft.com/office/drawing/2014/main" id="{653CC7E4-D286-332A-EF6D-FB4DB80001F6}"/>
               </a:ext>
             </a:extLst>
           </p:cNvPr>
@@ -1185,7 +1185,7 @@
           <a:bodyPr/>
           <a:lstStyle/>
           <a:p>
-            <a:fld id="{5B62783B-1815-41DE-968F-F6C9FC1372F1}" type="slidenum">
+            <a:fld id="{0D702F45-04F4-49BE-BAF5-C740B0AB4980}" type="slidenum">
               <a:rPr lang="zh-CN" altLang="en-US" smtClean="0"/>
               <a:t>‹#›</a:t>
             </a:fld>
@@ -1196,7 +1196,7 @@
     </p:spTree>
     <p:extLst>
       <p:ext uri="{BB962C8B-B14F-4D97-AF65-F5344CB8AC3E}">
-        <p14:creationId xmlns:p14="http://schemas.microsoft.com/office/powerpoint/2010/main" val="3740231921"/>
+        <p14:creationId xmlns:p14="http://schemas.microsoft.com/office/powerpoint/2010/main" val="3493548191"/>
       </p:ext>
     </p:extLst>
   </p:cSld>
@@ -1228,7 +1228,7 @@
           <p:cNvPr id="2" name="标题 1">
             <a:extLst>
               <a:ext uri="{FF2B5EF4-FFF2-40B4-BE49-F238E27FC236}">
-                <a16:creationId xmlns:a16="http://schemas.microsoft.com/office/drawing/2014/main" id="{339F73CD-B58C-3676-1402-6DFBC39C2956}"/>
+                <a16:creationId xmlns:a16="http://schemas.microsoft.com/office/drawing/2014/main" id="{CD47FE76-6BEE-9F90-D6A7-F08A8689698F}"/>
               </a:ext>
             </a:extLst>
           </p:cNvPr>
@@ -1256,7 +1256,7 @@
           <p:cNvPr id="3" name="内容占位符 2">
             <a:extLst>
               <a:ext uri="{FF2B5EF4-FFF2-40B4-BE49-F238E27FC236}">
-                <a16:creationId xmlns:a16="http://schemas.microsoft.com/office/drawing/2014/main" id="{59880BE3-009D-91A1-9F10-73283FF9F3D2}"/>
+                <a16:creationId xmlns:a16="http://schemas.microsoft.com/office/drawing/2014/main" id="{AE4529FA-72DC-C72F-1566-26567AE67E9E}"/>
               </a:ext>
             </a:extLst>
           </p:cNvPr>
@@ -1318,7 +1318,7 @@
           <p:cNvPr id="4" name="内容占位符 3">
             <a:extLst>
               <a:ext uri="{FF2B5EF4-FFF2-40B4-BE49-F238E27FC236}">
-                <a16:creationId xmlns:a16="http://schemas.microsoft.com/office/drawing/2014/main" id="{60996ABC-0861-0ACE-9FA2-82947A67A320}"/>
+                <a16:creationId xmlns:a16="http://schemas.microsoft.com/office/drawing/2014/main" id="{8C6BA166-74DE-A4D5-031F-951B1E468A91}"/>
               </a:ext>
             </a:extLst>
           </p:cNvPr>
@@ -1380,7 +1380,7 @@
           <p:cNvPr id="5" name="日期占位符 4">
             <a:extLst>
               <a:ext uri="{FF2B5EF4-FFF2-40B4-BE49-F238E27FC236}">
-                <a16:creationId xmlns:a16="http://schemas.microsoft.com/office/drawing/2014/main" id="{CFEEC484-82C5-27CC-81DF-86F24A83BC7F}"/>
+                <a16:creationId xmlns:a16="http://schemas.microsoft.com/office/drawing/2014/main" id="{7FAAE24D-7F62-7A91-6A3D-1D69CE56CDB0}"/>
               </a:ext>
             </a:extLst>
           </p:cNvPr>
@@ -1396,7 +1396,7 @@
           <a:bodyPr/>
           <a:lstStyle/>
           <a:p>
-            <a:fld id="{EF89E037-B355-4E35-9DE0-3EC20988880D}" type="datetimeFigureOut">
+            <a:fld id="{6AB152B0-4DC5-4862-9547-EACEB877B596}" type="datetimeFigureOut">
               <a:rPr lang="zh-CN" altLang="en-US" smtClean="0"/>
               <a:t>2024/3/10</a:t>
             </a:fld>
@@ -1409,7 +1409,7 @@
           <p:cNvPr id="6" name="页脚占位符 5">
             <a:extLst>
               <a:ext uri="{FF2B5EF4-FFF2-40B4-BE49-F238E27FC236}">
-                <a16:creationId xmlns:a16="http://schemas.microsoft.com/office/drawing/2014/main" id="{BB30E896-7E5B-0D50-C954-87ED874B6C2E}"/>
+                <a16:creationId xmlns:a16="http://schemas.microsoft.com/office/drawing/2014/main" id="{C8AA8F5D-488F-A654-5D52-338E689937B1}"/>
               </a:ext>
             </a:extLst>
           </p:cNvPr>
@@ -1434,7 +1434,7 @@
           <p:cNvPr id="7" name="灯片编号占位符 6">
             <a:extLst>
               <a:ext uri="{FF2B5EF4-FFF2-40B4-BE49-F238E27FC236}">
-                <a16:creationId xmlns:a16="http://schemas.microsoft.com/office/drawing/2014/main" id="{D39C7F20-77DB-1F03-F30C-F5AE3F504E44}"/>
+                <a16:creationId xmlns:a16="http://schemas.microsoft.com/office/drawing/2014/main" id="{C41795B6-7342-2B90-1500-8B187CD6421F}"/>
               </a:ext>
             </a:extLst>
           </p:cNvPr>
@@ -1450,7 +1450,7 @@
           <a:bodyPr/>
           <a:lstStyle/>
           <a:p>
-            <a:fld id="{5B62783B-1815-41DE-968F-F6C9FC1372F1}" type="slidenum">
+            <a:fld id="{0D702F45-04F4-49BE-BAF5-C740B0AB4980}" type="slidenum">
               <a:rPr lang="zh-CN" altLang="en-US" smtClean="0"/>
               <a:t>‹#›</a:t>
             </a:fld>
@@ -1461,7 +1461,7 @@
     </p:spTree>
     <p:extLst>
       <p:ext uri="{BB962C8B-B14F-4D97-AF65-F5344CB8AC3E}">
-        <p14:creationId xmlns:p14="http://schemas.microsoft.com/office/powerpoint/2010/main" val="1241124045"/>
+        <p14:creationId xmlns:p14="http://schemas.microsoft.com/office/powerpoint/2010/main" val="1628879789"/>
       </p:ext>
     </p:extLst>
   </p:cSld>
@@ -1493,7 +1493,7 @@
           <p:cNvPr id="2" name="标题 1">
             <a:extLst>
               <a:ext uri="{FF2B5EF4-FFF2-40B4-BE49-F238E27FC236}">
-                <a16:creationId xmlns:a16="http://schemas.microsoft.com/office/drawing/2014/main" id="{E5000543-6ABC-F864-333B-C3C5A59A38BD}"/>
+                <a16:creationId xmlns:a16="http://schemas.microsoft.com/office/drawing/2014/main" id="{09F066CE-0790-5DF4-249D-5000DF963039}"/>
               </a:ext>
             </a:extLst>
           </p:cNvPr>
@@ -1526,7 +1526,7 @@
           <p:cNvPr id="3" name="文本占位符 2">
             <a:extLst>
               <a:ext uri="{FF2B5EF4-FFF2-40B4-BE49-F238E27FC236}">
-                <a16:creationId xmlns:a16="http://schemas.microsoft.com/office/drawing/2014/main" id="{CEEAF7D5-59EE-60E7-D755-6D61A921030A}"/>
+                <a16:creationId xmlns:a16="http://schemas.microsoft.com/office/drawing/2014/main" id="{43EDA08A-6E11-FC99-A494-A6F60F2562CB}"/>
               </a:ext>
             </a:extLst>
           </p:cNvPr>
@@ -1597,7 +1597,7 @@
           <p:cNvPr id="4" name="内容占位符 3">
             <a:extLst>
               <a:ext uri="{FF2B5EF4-FFF2-40B4-BE49-F238E27FC236}">
-                <a16:creationId xmlns:a16="http://schemas.microsoft.com/office/drawing/2014/main" id="{494433A6-3F15-508B-104B-68351B34C7F5}"/>
+                <a16:creationId xmlns:a16="http://schemas.microsoft.com/office/drawing/2014/main" id="{2DD5B1CD-9C02-2AB6-2997-003D06244344}"/>
               </a:ext>
             </a:extLst>
           </p:cNvPr>
@@ -1659,7 +1659,7 @@
           <p:cNvPr id="5" name="文本占位符 4">
             <a:extLst>
               <a:ext uri="{FF2B5EF4-FFF2-40B4-BE49-F238E27FC236}">
-                <a16:creationId xmlns:a16="http://schemas.microsoft.com/office/drawing/2014/main" id="{7E6E1908-508A-A764-810C-CC9E46DA37C9}"/>
+                <a16:creationId xmlns:a16="http://schemas.microsoft.com/office/drawing/2014/main" id="{3F1219DD-E1BE-7797-7A1C-9064B4B967C1}"/>
               </a:ext>
             </a:extLst>
           </p:cNvPr>
@@ -1730,7 +1730,7 @@
           <p:cNvPr id="6" name="内容占位符 5">
             <a:extLst>
               <a:ext uri="{FF2B5EF4-FFF2-40B4-BE49-F238E27FC236}">
-                <a16:creationId xmlns:a16="http://schemas.microsoft.com/office/drawing/2014/main" id="{8481E052-BC01-9CD0-19FF-19946DCC6A89}"/>
+                <a16:creationId xmlns:a16="http://schemas.microsoft.com/office/drawing/2014/main" id="{4225E64E-C3D1-96FC-D8FE-1DBC66396778}"/>
               </a:ext>
             </a:extLst>
           </p:cNvPr>
@@ -1792,7 +1792,7 @@
           <p:cNvPr id="7" name="日期占位符 6">
             <a:extLst>
               <a:ext uri="{FF2B5EF4-FFF2-40B4-BE49-F238E27FC236}">
-                <a16:creationId xmlns:a16="http://schemas.microsoft.com/office/drawing/2014/main" id="{25B64542-89C6-317B-DF66-4DDBAD6E37FF}"/>
+                <a16:creationId xmlns:a16="http://schemas.microsoft.com/office/drawing/2014/main" id="{50168D3D-9BF7-E01A-96C3-A00C8F60F907}"/>
               </a:ext>
             </a:extLst>
           </p:cNvPr>
@@ -1808,7 +1808,7 @@
           <a:bodyPr/>
           <a:lstStyle/>
           <a:p>
-            <a:fld id="{EF89E037-B355-4E35-9DE0-3EC20988880D}" type="datetimeFigureOut">
+            <a:fld id="{6AB152B0-4DC5-4862-9547-EACEB877B596}" type="datetimeFigureOut">
               <a:rPr lang="zh-CN" altLang="en-US" smtClean="0"/>
               <a:t>2024/3/10</a:t>
             </a:fld>
@@ -1821,7 +1821,7 @@
           <p:cNvPr id="8" name="页脚占位符 7">
             <a:extLst>
               <a:ext uri="{FF2B5EF4-FFF2-40B4-BE49-F238E27FC236}">
-                <a16:creationId xmlns:a16="http://schemas.microsoft.com/office/drawing/2014/main" id="{6D221C10-9C9E-7758-7A18-F621CA12B37B}"/>
+                <a16:creationId xmlns:a16="http://schemas.microsoft.com/office/drawing/2014/main" id="{0D218218-D268-FDD2-F129-573D3C77B9F3}"/>
               </a:ext>
             </a:extLst>
           </p:cNvPr>
@@ -1846,7 +1846,7 @@
           <p:cNvPr id="9" name="灯片编号占位符 8">
             <a:extLst>
               <a:ext uri="{FF2B5EF4-FFF2-40B4-BE49-F238E27FC236}">
-                <a16:creationId xmlns:a16="http://schemas.microsoft.com/office/drawing/2014/main" id="{495DC46A-2E20-9FE3-6956-D2DC9A201B0E}"/>
+                <a16:creationId xmlns:a16="http://schemas.microsoft.com/office/drawing/2014/main" id="{EC80DC4D-F4EA-7983-FB9F-2D53D8947982}"/>
               </a:ext>
             </a:extLst>
           </p:cNvPr>
@@ -1862,7 +1862,7 @@
           <a:bodyPr/>
           <a:lstStyle/>
           <a:p>
-            <a:fld id="{5B62783B-1815-41DE-968F-F6C9FC1372F1}" type="slidenum">
+            <a:fld id="{0D702F45-04F4-49BE-BAF5-C740B0AB4980}" type="slidenum">
               <a:rPr lang="zh-CN" altLang="en-US" smtClean="0"/>
               <a:t>‹#›</a:t>
             </a:fld>
@@ -1873,7 +1873,7 @@
     </p:spTree>
     <p:extLst>
       <p:ext uri="{BB962C8B-B14F-4D97-AF65-F5344CB8AC3E}">
-        <p14:creationId xmlns:p14="http://schemas.microsoft.com/office/powerpoint/2010/main" val="2531550832"/>
+        <p14:creationId xmlns:p14="http://schemas.microsoft.com/office/powerpoint/2010/main" val="826340542"/>
       </p:ext>
     </p:extLst>
   </p:cSld>
@@ -1905,7 +1905,7 @@
           <p:cNvPr id="2" name="标题 1">
             <a:extLst>
               <a:ext uri="{FF2B5EF4-FFF2-40B4-BE49-F238E27FC236}">
-                <a16:creationId xmlns:a16="http://schemas.microsoft.com/office/drawing/2014/main" id="{C11A2062-B755-9F93-9AD3-6A56C01C78A8}"/>
+                <a16:creationId xmlns:a16="http://schemas.microsoft.com/office/drawing/2014/main" id="{894D1F0B-787C-5267-9E3C-AC3D108F9776}"/>
               </a:ext>
             </a:extLst>
           </p:cNvPr>
@@ -1933,7 +1933,7 @@
           <p:cNvPr id="3" name="日期占位符 2">
             <a:extLst>
               <a:ext uri="{FF2B5EF4-FFF2-40B4-BE49-F238E27FC236}">
-                <a16:creationId xmlns:a16="http://schemas.microsoft.com/office/drawing/2014/main" id="{985C559F-D284-B2FF-84EE-CD7713D02EC7}"/>
+                <a16:creationId xmlns:a16="http://schemas.microsoft.com/office/drawing/2014/main" id="{9CCDA1D5-F7E5-8531-B503-D9A1E8E7B8DC}"/>
               </a:ext>
             </a:extLst>
           </p:cNvPr>
@@ -1949,7 +1949,7 @@
           <a:bodyPr/>
           <a:lstStyle/>
           <a:p>
-            <a:fld id="{EF89E037-B355-4E35-9DE0-3EC20988880D}" type="datetimeFigureOut">
+            <a:fld id="{6AB152B0-4DC5-4862-9547-EACEB877B596}" type="datetimeFigureOut">
               <a:rPr lang="zh-CN" altLang="en-US" smtClean="0"/>
               <a:t>2024/3/10</a:t>
             </a:fld>
@@ -1962,7 +1962,7 @@
           <p:cNvPr id="4" name="页脚占位符 3">
             <a:extLst>
               <a:ext uri="{FF2B5EF4-FFF2-40B4-BE49-F238E27FC236}">
-                <a16:creationId xmlns:a16="http://schemas.microsoft.com/office/drawing/2014/main" id="{9FC1015A-7B44-B3BC-DB44-ED5345B80CF4}"/>
+                <a16:creationId xmlns:a16="http://schemas.microsoft.com/office/drawing/2014/main" id="{5730ADB2-3972-1312-B1B9-1590670A9EAF}"/>
               </a:ext>
             </a:extLst>
           </p:cNvPr>
@@ -1987,7 +1987,7 @@
           <p:cNvPr id="5" name="灯片编号占位符 4">
             <a:extLst>
               <a:ext uri="{FF2B5EF4-FFF2-40B4-BE49-F238E27FC236}">
-                <a16:creationId xmlns:a16="http://schemas.microsoft.com/office/drawing/2014/main" id="{FF12A933-A556-2FBC-DDEF-27BD632F7E8F}"/>
+                <a16:creationId xmlns:a16="http://schemas.microsoft.com/office/drawing/2014/main" id="{6DFDC5F6-A220-26E5-CF82-755CF331D3A0}"/>
               </a:ext>
             </a:extLst>
           </p:cNvPr>
@@ -2003,7 +2003,7 @@
           <a:bodyPr/>
           <a:lstStyle/>
           <a:p>
-            <a:fld id="{5B62783B-1815-41DE-968F-F6C9FC1372F1}" type="slidenum">
+            <a:fld id="{0D702F45-04F4-49BE-BAF5-C740B0AB4980}" type="slidenum">
               <a:rPr lang="zh-CN" altLang="en-US" smtClean="0"/>
               <a:t>‹#›</a:t>
             </a:fld>
@@ -2014,7 +2014,7 @@
     </p:spTree>
     <p:extLst>
       <p:ext uri="{BB962C8B-B14F-4D97-AF65-F5344CB8AC3E}">
-        <p14:creationId xmlns:p14="http://schemas.microsoft.com/office/powerpoint/2010/main" val="774836268"/>
+        <p14:creationId xmlns:p14="http://schemas.microsoft.com/office/powerpoint/2010/main" val="1432278317"/>
       </p:ext>
     </p:extLst>
   </p:cSld>
@@ -2046,7 +2046,7 @@
           <p:cNvPr id="2" name="日期占位符 1">
             <a:extLst>
               <a:ext uri="{FF2B5EF4-FFF2-40B4-BE49-F238E27FC236}">
-                <a16:creationId xmlns:a16="http://schemas.microsoft.com/office/drawing/2014/main" id="{D0C27727-3495-3CDC-709A-DD470402A423}"/>
+                <a16:creationId xmlns:a16="http://schemas.microsoft.com/office/drawing/2014/main" id="{A49DA7E1-CD2A-FC62-2792-E3ED5E41E9F2}"/>
               </a:ext>
             </a:extLst>
           </p:cNvPr>
@@ -2062,7 +2062,7 @@
           <a:bodyPr/>
           <a:lstStyle/>
           <a:p>
-            <a:fld id="{EF89E037-B355-4E35-9DE0-3EC20988880D}" type="datetimeFigureOut">
+            <a:fld id="{6AB152B0-4DC5-4862-9547-EACEB877B596}" type="datetimeFigureOut">
               <a:rPr lang="zh-CN" altLang="en-US" smtClean="0"/>
               <a:t>2024/3/10</a:t>
             </a:fld>
@@ -2075,7 +2075,7 @@
           <p:cNvPr id="3" name="页脚占位符 2">
             <a:extLst>
               <a:ext uri="{FF2B5EF4-FFF2-40B4-BE49-F238E27FC236}">
-                <a16:creationId xmlns:a16="http://schemas.microsoft.com/office/drawing/2014/main" id="{57D94CF9-1232-D571-305E-AFEDEC5BEEE8}"/>
+                <a16:creationId xmlns:a16="http://schemas.microsoft.com/office/drawing/2014/main" id="{8EB912CC-E30D-AED6-C455-9F3693334755}"/>
               </a:ext>
             </a:extLst>
           </p:cNvPr>
@@ -2100,7 +2100,7 @@
           <p:cNvPr id="4" name="灯片编号占位符 3">
             <a:extLst>
               <a:ext uri="{FF2B5EF4-FFF2-40B4-BE49-F238E27FC236}">
-                <a16:creationId xmlns:a16="http://schemas.microsoft.com/office/drawing/2014/main" id="{61DF0BDB-1A99-96A2-683B-1FA83CDBD488}"/>
+                <a16:creationId xmlns:a16="http://schemas.microsoft.com/office/drawing/2014/main" id="{BD8E896A-5F1B-E6C4-A9B7-E34161E4E65D}"/>
               </a:ext>
             </a:extLst>
           </p:cNvPr>
@@ -2116,7 +2116,7 @@
           <a:bodyPr/>
           <a:lstStyle/>
           <a:p>
-            <a:fld id="{5B62783B-1815-41DE-968F-F6C9FC1372F1}" type="slidenum">
+            <a:fld id="{0D702F45-04F4-49BE-BAF5-C740B0AB4980}" type="slidenum">
               <a:rPr lang="zh-CN" altLang="en-US" smtClean="0"/>
               <a:t>‹#›</a:t>
             </a:fld>
@@ -2127,7 +2127,7 @@
     </p:spTree>
     <p:extLst>
       <p:ext uri="{BB962C8B-B14F-4D97-AF65-F5344CB8AC3E}">
-        <p14:creationId xmlns:p14="http://schemas.microsoft.com/office/powerpoint/2010/main" val="2739558437"/>
+        <p14:creationId xmlns:p14="http://schemas.microsoft.com/office/powerpoint/2010/main" val="1946256123"/>
       </p:ext>
     </p:extLst>
   </p:cSld>
@@ -2159,7 +2159,7 @@
           <p:cNvPr id="2" name="标题 1">
             <a:extLst>
               <a:ext uri="{FF2B5EF4-FFF2-40B4-BE49-F238E27FC236}">
-                <a16:creationId xmlns:a16="http://schemas.microsoft.com/office/drawing/2014/main" id="{B6425D50-3021-7884-1882-051BDEF39AF0}"/>
+                <a16:creationId xmlns:a16="http://schemas.microsoft.com/office/drawing/2014/main" id="{36280FCE-4477-09BA-B3E2-9056472B6E5E}"/>
               </a:ext>
             </a:extLst>
           </p:cNvPr>
@@ -2196,7 +2196,7 @@
           <p:cNvPr id="3" name="内容占位符 2">
             <a:extLst>
               <a:ext uri="{FF2B5EF4-FFF2-40B4-BE49-F238E27FC236}">
-                <a16:creationId xmlns:a16="http://schemas.microsoft.com/office/drawing/2014/main" id="{D42DBA24-7F73-9DCC-620D-6DA2267E460E}"/>
+                <a16:creationId xmlns:a16="http://schemas.microsoft.com/office/drawing/2014/main" id="{E8253AA6-1E57-94AC-C6E4-FEFFE9491673}"/>
               </a:ext>
             </a:extLst>
           </p:cNvPr>
@@ -2286,7 +2286,7 @@
           <p:cNvPr id="4" name="文本占位符 3">
             <a:extLst>
               <a:ext uri="{FF2B5EF4-FFF2-40B4-BE49-F238E27FC236}">
-                <a16:creationId xmlns:a16="http://schemas.microsoft.com/office/drawing/2014/main" id="{E6162398-5C70-3841-D18B-ED4CC3D54234}"/>
+                <a16:creationId xmlns:a16="http://schemas.microsoft.com/office/drawing/2014/main" id="{62F8FC9F-FDFF-E58D-653E-16E9859C52AF}"/>
               </a:ext>
             </a:extLst>
           </p:cNvPr>
@@ -2357,7 +2357,7 @@
           <p:cNvPr id="5" name="日期占位符 4">
             <a:extLst>
               <a:ext uri="{FF2B5EF4-FFF2-40B4-BE49-F238E27FC236}">
-                <a16:creationId xmlns:a16="http://schemas.microsoft.com/office/drawing/2014/main" id="{CD6C2AC2-E1A0-FD2C-FEF3-FE758CE41C21}"/>
+                <a16:creationId xmlns:a16="http://schemas.microsoft.com/office/drawing/2014/main" id="{E9989A98-8424-79AA-F788-FD3E665690A6}"/>
               </a:ext>
             </a:extLst>
           </p:cNvPr>
@@ -2373,7 +2373,7 @@
           <a:bodyPr/>
           <a:lstStyle/>
           <a:p>
-            <a:fld id="{EF89E037-B355-4E35-9DE0-3EC20988880D}" type="datetimeFigureOut">
+            <a:fld id="{6AB152B0-4DC5-4862-9547-EACEB877B596}" type="datetimeFigureOut">
               <a:rPr lang="zh-CN" altLang="en-US" smtClean="0"/>
               <a:t>2024/3/10</a:t>
             </a:fld>
@@ -2386,7 +2386,7 @@
           <p:cNvPr id="6" name="页脚占位符 5">
             <a:extLst>
               <a:ext uri="{FF2B5EF4-FFF2-40B4-BE49-F238E27FC236}">
-                <a16:creationId xmlns:a16="http://schemas.microsoft.com/office/drawing/2014/main" id="{39B6A557-0B23-94B2-8909-DA39D6D54CEA}"/>
+                <a16:creationId xmlns:a16="http://schemas.microsoft.com/office/drawing/2014/main" id="{31C8338C-AFEF-E582-EC24-314705F2EF99}"/>
               </a:ext>
             </a:extLst>
           </p:cNvPr>
@@ -2411,7 +2411,7 @@
           <p:cNvPr id="7" name="灯片编号占位符 6">
             <a:extLst>
               <a:ext uri="{FF2B5EF4-FFF2-40B4-BE49-F238E27FC236}">
-                <a16:creationId xmlns:a16="http://schemas.microsoft.com/office/drawing/2014/main" id="{2B2A3216-30D6-4F2D-A08E-CE182C40F3CE}"/>
+                <a16:creationId xmlns:a16="http://schemas.microsoft.com/office/drawing/2014/main" id="{74D7204F-446E-3964-7F3F-FCC1BDA1D185}"/>
               </a:ext>
             </a:extLst>
           </p:cNvPr>
@@ -2427,7 +2427,7 @@
           <a:bodyPr/>
           <a:lstStyle/>
           <a:p>
-            <a:fld id="{5B62783B-1815-41DE-968F-F6C9FC1372F1}" type="slidenum">
+            <a:fld id="{0D702F45-04F4-49BE-BAF5-C740B0AB4980}" type="slidenum">
               <a:rPr lang="zh-CN" altLang="en-US" smtClean="0"/>
               <a:t>‹#›</a:t>
             </a:fld>
@@ -2438,7 +2438,7 @@
     </p:spTree>
     <p:extLst>
       <p:ext uri="{BB962C8B-B14F-4D97-AF65-F5344CB8AC3E}">
-        <p14:creationId xmlns:p14="http://schemas.microsoft.com/office/powerpoint/2010/main" val="294541615"/>
+        <p14:creationId xmlns:p14="http://schemas.microsoft.com/office/powerpoint/2010/main" val="2376764683"/>
       </p:ext>
     </p:extLst>
   </p:cSld>
@@ -2470,7 +2470,7 @@
           <p:cNvPr id="2" name="标题 1">
             <a:extLst>
               <a:ext uri="{FF2B5EF4-FFF2-40B4-BE49-F238E27FC236}">
-                <a16:creationId xmlns:a16="http://schemas.microsoft.com/office/drawing/2014/main" id="{A72EFED8-547B-B2A7-AC51-4D6EDCE9BB84}"/>
+                <a16:creationId xmlns:a16="http://schemas.microsoft.com/office/drawing/2014/main" id="{0A08004B-12F3-F2DE-EDF1-07BCE4F94E2E}"/>
               </a:ext>
             </a:extLst>
           </p:cNvPr>
@@ -2507,7 +2507,7 @@
           <p:cNvPr id="3" name="图片占位符 2">
             <a:extLst>
               <a:ext uri="{FF2B5EF4-FFF2-40B4-BE49-F238E27FC236}">
-                <a16:creationId xmlns:a16="http://schemas.microsoft.com/office/drawing/2014/main" id="{D288A0CD-F51D-22B4-09B8-9E61FBCFAF8C}"/>
+                <a16:creationId xmlns:a16="http://schemas.microsoft.com/office/drawing/2014/main" id="{FF761E73-170E-9535-7A3A-EDB4F1AB4C17}"/>
               </a:ext>
             </a:extLst>
           </p:cNvPr>
@@ -2574,7 +2574,7 @@
           <p:cNvPr id="4" name="文本占位符 3">
             <a:extLst>
               <a:ext uri="{FF2B5EF4-FFF2-40B4-BE49-F238E27FC236}">
-                <a16:creationId xmlns:a16="http://schemas.microsoft.com/office/drawing/2014/main" id="{A5EA112C-036C-E53F-7549-6E72BBF61E84}"/>
+                <a16:creationId xmlns:a16="http://schemas.microsoft.com/office/drawing/2014/main" id="{909BA0EB-8815-0304-F1CE-DEEAF2A3E8AB}"/>
               </a:ext>
             </a:extLst>
           </p:cNvPr>
@@ -2645,7 +2645,7 @@
           <p:cNvPr id="5" name="日期占位符 4">
             <a:extLst>
               <a:ext uri="{FF2B5EF4-FFF2-40B4-BE49-F238E27FC236}">
-                <a16:creationId xmlns:a16="http://schemas.microsoft.com/office/drawing/2014/main" id="{2988F219-1E62-58BB-6115-1C2AADE5E865}"/>
+                <a16:creationId xmlns:a16="http://schemas.microsoft.com/office/drawing/2014/main" id="{0290CE84-C4D2-5BF5-E52A-63378F3A73A4}"/>
               </a:ext>
             </a:extLst>
           </p:cNvPr>
@@ -2661,7 +2661,7 @@
           <a:bodyPr/>
           <a:lstStyle/>
           <a:p>
-            <a:fld id="{EF89E037-B355-4E35-9DE0-3EC20988880D}" type="datetimeFigureOut">
+            <a:fld id="{6AB152B0-4DC5-4862-9547-EACEB877B596}" type="datetimeFigureOut">
               <a:rPr lang="zh-CN" altLang="en-US" smtClean="0"/>
               <a:t>2024/3/10</a:t>
             </a:fld>
@@ -2674,7 +2674,7 @@
           <p:cNvPr id="6" name="页脚占位符 5">
             <a:extLst>
               <a:ext uri="{FF2B5EF4-FFF2-40B4-BE49-F238E27FC236}">
-                <a16:creationId xmlns:a16="http://schemas.microsoft.com/office/drawing/2014/main" id="{6871C23C-3E5E-17CD-3E5A-1357A71E8783}"/>
+                <a16:creationId xmlns:a16="http://schemas.microsoft.com/office/drawing/2014/main" id="{8DF9F95F-A9EC-6349-5C95-15896A31C5D8}"/>
               </a:ext>
             </a:extLst>
           </p:cNvPr>
@@ -2699,7 +2699,7 @@
           <p:cNvPr id="7" name="灯片编号占位符 6">
             <a:extLst>
               <a:ext uri="{FF2B5EF4-FFF2-40B4-BE49-F238E27FC236}">
-                <a16:creationId xmlns:a16="http://schemas.microsoft.com/office/drawing/2014/main" id="{82BB5EAB-25CD-5A0D-9995-1FF43D5E5732}"/>
+                <a16:creationId xmlns:a16="http://schemas.microsoft.com/office/drawing/2014/main" id="{D1F795DC-9008-5B8B-E51B-14252A6E7F2D}"/>
               </a:ext>
             </a:extLst>
           </p:cNvPr>
@@ -2715,7 +2715,7 @@
           <a:bodyPr/>
           <a:lstStyle/>
           <a:p>
-            <a:fld id="{5B62783B-1815-41DE-968F-F6C9FC1372F1}" type="slidenum">
+            <a:fld id="{0D702F45-04F4-49BE-BAF5-C740B0AB4980}" type="slidenum">
               <a:rPr lang="zh-CN" altLang="en-US" smtClean="0"/>
               <a:t>‹#›</a:t>
             </a:fld>
@@ -2726,7 +2726,7 @@
     </p:spTree>
     <p:extLst>
       <p:ext uri="{BB962C8B-B14F-4D97-AF65-F5344CB8AC3E}">
-        <p14:creationId xmlns:p14="http://schemas.microsoft.com/office/powerpoint/2010/main" val="2479609759"/>
+        <p14:creationId xmlns:p14="http://schemas.microsoft.com/office/powerpoint/2010/main" val="3191165382"/>
       </p:ext>
     </p:extLst>
   </p:cSld>
@@ -2763,7 +2763,7 @@
           <p:cNvPr id="2" name="标题占位符 1">
             <a:extLst>
               <a:ext uri="{FF2B5EF4-FFF2-40B4-BE49-F238E27FC236}">
-                <a16:creationId xmlns:a16="http://schemas.microsoft.com/office/drawing/2014/main" id="{8FDE06A4-1310-CB48-96FD-FA41C4353757}"/>
+                <a16:creationId xmlns:a16="http://schemas.microsoft.com/office/drawing/2014/main" id="{903BD398-8996-12BE-81CB-5E676FFC3F5F}"/>
               </a:ext>
             </a:extLst>
           </p:cNvPr>
@@ -2801,7 +2801,7 @@
           <p:cNvPr id="3" name="文本占位符 2">
             <a:extLst>
               <a:ext uri="{FF2B5EF4-FFF2-40B4-BE49-F238E27FC236}">
-                <a16:creationId xmlns:a16="http://schemas.microsoft.com/office/drawing/2014/main" id="{FD9C9CC3-E36B-C479-FA50-A53E14F730BF}"/>
+                <a16:creationId xmlns:a16="http://schemas.microsoft.com/office/drawing/2014/main" id="{ECAC55DF-3011-70DB-7425-801FB4E8E0A3}"/>
               </a:ext>
             </a:extLst>
           </p:cNvPr>
@@ -2868,7 +2868,7 @@
           <p:cNvPr id="4" name="日期占位符 3">
             <a:extLst>
               <a:ext uri="{FF2B5EF4-FFF2-40B4-BE49-F238E27FC236}">
-                <a16:creationId xmlns:a16="http://schemas.microsoft.com/office/drawing/2014/main" id="{BB5D62EB-68C8-7748-05A6-56FDE95A504A}"/>
+                <a16:creationId xmlns:a16="http://schemas.microsoft.com/office/drawing/2014/main" id="{D35F6CF7-BDF6-FFE8-1278-4547A82BCC69}"/>
               </a:ext>
             </a:extLst>
           </p:cNvPr>
@@ -2902,7 +2902,7 @@
             </a:lvl1pPr>
           </a:lstStyle>
           <a:p>
-            <a:fld id="{EF89E037-B355-4E35-9DE0-3EC20988880D}" type="datetimeFigureOut">
+            <a:fld id="{6AB152B0-4DC5-4862-9547-EACEB877B596}" type="datetimeFigureOut">
               <a:rPr lang="zh-CN" altLang="en-US" smtClean="0"/>
               <a:t>2024/3/10</a:t>
             </a:fld>
@@ -2915,7 +2915,7 @@
           <p:cNvPr id="5" name="页脚占位符 4">
             <a:extLst>
               <a:ext uri="{FF2B5EF4-FFF2-40B4-BE49-F238E27FC236}">
-                <a16:creationId xmlns:a16="http://schemas.microsoft.com/office/drawing/2014/main" id="{DBFEBA86-9995-8812-94CB-870AA6F90380}"/>
+                <a16:creationId xmlns:a16="http://schemas.microsoft.com/office/drawing/2014/main" id="{D9F783B3-67F0-7A14-A6BD-4A3D0842A0A3}"/>
               </a:ext>
             </a:extLst>
           </p:cNvPr>
@@ -2958,7 +2958,7 @@
           <p:cNvPr id="6" name="灯片编号占位符 5">
             <a:extLst>
               <a:ext uri="{FF2B5EF4-FFF2-40B4-BE49-F238E27FC236}">
-                <a16:creationId xmlns:a16="http://schemas.microsoft.com/office/drawing/2014/main" id="{18C90EF7-A1C2-93CD-1EE7-89EEE079B60A}"/>
+                <a16:creationId xmlns:a16="http://schemas.microsoft.com/office/drawing/2014/main" id="{07C66888-5E76-C60C-93EF-9F159FFC8337}"/>
               </a:ext>
             </a:extLst>
           </p:cNvPr>
@@ -2992,7 +2992,7 @@
             </a:lvl1pPr>
           </a:lstStyle>
           <a:p>
-            <a:fld id="{5B62783B-1815-41DE-968F-F6C9FC1372F1}" type="slidenum">
+            <a:fld id="{0D702F45-04F4-49BE-BAF5-C740B0AB4980}" type="slidenum">
               <a:rPr lang="zh-CN" altLang="en-US" smtClean="0"/>
               <a:t>‹#›</a:t>
             </a:fld>
@@ -3003,7 +3003,7 @@
     </p:spTree>
     <p:extLst>
       <p:ext uri="{BB962C8B-B14F-4D97-AF65-F5344CB8AC3E}">
-        <p14:creationId xmlns:p14="http://schemas.microsoft.com/office/powerpoint/2010/main" val="2849717073"/>
+        <p14:creationId xmlns:p14="http://schemas.microsoft.com/office/powerpoint/2010/main" val="3419909209"/>
       </p:ext>
     </p:extLst>
   </p:cSld>
@@ -3323,7 +3323,7 @@
       </p:grpSpPr>
       <p:pic>
         <p:nvPicPr>
-          <p:cNvPr id="775170" name="Picture 2" descr="756"/>
+          <p:cNvPr id="776194" name="Picture 2" descr="757"/>
           <p:cNvPicPr>
             <a:picLocks noChangeAspect="1" noChangeArrowheads="1"/>
           </p:cNvPicPr>
